--- a/Manuscript_TIFS/figures/Figure_System.pptx
+++ b/Manuscript_TIFS/figures/Figure_System.pptx
@@ -241,7 +241,7 @@
           <a:p>
             <a:fld id="{D997B5FA-0921-464F-AAE1-844C04324D75}" type="datetimeFigureOut">
               <a:rPr lang="zh-CN" altLang="en-US" smtClean="0"/>
-              <a:t>2022-01-21</a:t>
+              <a:t>2022-02-19</a:t>
             </a:fld>
             <a:endParaRPr lang="zh-CN" altLang="en-US"/>
           </a:p>
@@ -404,7 +404,7 @@
           <a:p>
             <a:fld id="{D997B5FA-0921-464F-AAE1-844C04324D75}" type="datetimeFigureOut">
               <a:rPr lang="zh-CN" altLang="en-US" smtClean="0"/>
-              <a:t>2022-01-21</a:t>
+              <a:t>2022-02-19</a:t>
             </a:fld>
             <a:endParaRPr lang="zh-CN" altLang="en-US"/>
           </a:p>
@@ -577,7 +577,7 @@
           <a:p>
             <a:fld id="{D997B5FA-0921-464F-AAE1-844C04324D75}" type="datetimeFigureOut">
               <a:rPr lang="zh-CN" altLang="en-US" smtClean="0"/>
-              <a:t>2022-01-21</a:t>
+              <a:t>2022-02-19</a:t>
             </a:fld>
             <a:endParaRPr lang="zh-CN" altLang="en-US"/>
           </a:p>
@@ -740,7 +740,7 @@
           <a:p>
             <a:fld id="{D997B5FA-0921-464F-AAE1-844C04324D75}" type="datetimeFigureOut">
               <a:rPr lang="zh-CN" altLang="en-US" smtClean="0"/>
-              <a:t>2022-01-21</a:t>
+              <a:t>2022-02-19</a:t>
             </a:fld>
             <a:endParaRPr lang="zh-CN" altLang="en-US"/>
           </a:p>
@@ -980,7 +980,7 @@
           <a:p>
             <a:fld id="{D997B5FA-0921-464F-AAE1-844C04324D75}" type="datetimeFigureOut">
               <a:rPr lang="zh-CN" altLang="en-US" smtClean="0"/>
-              <a:t>2022-01-21</a:t>
+              <a:t>2022-02-19</a:t>
             </a:fld>
             <a:endParaRPr lang="zh-CN" altLang="en-US"/>
           </a:p>
@@ -1204,7 +1204,7 @@
           <a:p>
             <a:fld id="{D997B5FA-0921-464F-AAE1-844C04324D75}" type="datetimeFigureOut">
               <a:rPr lang="zh-CN" altLang="en-US" smtClean="0"/>
-              <a:t>2022-01-21</a:t>
+              <a:t>2022-02-19</a:t>
             </a:fld>
             <a:endParaRPr lang="zh-CN" altLang="en-US"/>
           </a:p>
@@ -1563,7 +1563,7 @@
           <a:p>
             <a:fld id="{D997B5FA-0921-464F-AAE1-844C04324D75}" type="datetimeFigureOut">
               <a:rPr lang="zh-CN" altLang="en-US" smtClean="0"/>
-              <a:t>2022-01-21</a:t>
+              <a:t>2022-02-19</a:t>
             </a:fld>
             <a:endParaRPr lang="zh-CN" altLang="en-US"/>
           </a:p>
@@ -1675,7 +1675,7 @@
           <a:p>
             <a:fld id="{D997B5FA-0921-464F-AAE1-844C04324D75}" type="datetimeFigureOut">
               <a:rPr lang="zh-CN" altLang="en-US" smtClean="0"/>
-              <a:t>2022-01-21</a:t>
+              <a:t>2022-02-19</a:t>
             </a:fld>
             <a:endParaRPr lang="zh-CN" altLang="en-US"/>
           </a:p>
@@ -1765,7 +1765,7 @@
           <a:p>
             <a:fld id="{D997B5FA-0921-464F-AAE1-844C04324D75}" type="datetimeFigureOut">
               <a:rPr lang="zh-CN" altLang="en-US" smtClean="0"/>
-              <a:t>2022-01-21</a:t>
+              <a:t>2022-02-19</a:t>
             </a:fld>
             <a:endParaRPr lang="zh-CN" altLang="en-US"/>
           </a:p>
@@ -2035,7 +2035,7 @@
           <a:p>
             <a:fld id="{D997B5FA-0921-464F-AAE1-844C04324D75}" type="datetimeFigureOut">
               <a:rPr lang="zh-CN" altLang="en-US" smtClean="0"/>
-              <a:t>2022-01-21</a:t>
+              <a:t>2022-02-19</a:t>
             </a:fld>
             <a:endParaRPr lang="zh-CN" altLang="en-US"/>
           </a:p>
@@ -2282,7 +2282,7 @@
           <a:p>
             <a:fld id="{D997B5FA-0921-464F-AAE1-844C04324D75}" type="datetimeFigureOut">
               <a:rPr lang="zh-CN" altLang="en-US" smtClean="0"/>
-              <a:t>2022-01-21</a:t>
+              <a:t>2022-02-19</a:t>
             </a:fld>
             <a:endParaRPr lang="zh-CN" altLang="en-US"/>
           </a:p>
@@ -2488,7 +2488,7 @@
           <a:p>
             <a:fld id="{D997B5FA-0921-464F-AAE1-844C04324D75}" type="datetimeFigureOut">
               <a:rPr lang="zh-CN" altLang="en-US" smtClean="0"/>
-              <a:t>2022-01-21</a:t>
+              <a:t>2022-02-19</a:t>
             </a:fld>
             <a:endParaRPr lang="zh-CN" altLang="en-US"/>
           </a:p>
@@ -2903,9 +2903,9 @@
         <p:grpSpPr>
           <a:xfrm>
             <a:off x="5961904" y="3170555"/>
-            <a:ext cx="3778490" cy="643058"/>
+            <a:ext cx="3778490" cy="709014"/>
             <a:chOff x="5961904" y="3056248"/>
-            <a:chExt cx="3778490" cy="643058"/>
+            <a:chExt cx="3778490" cy="709014"/>
           </a:xfrm>
         </p:grpSpPr>
         <p:pic>
@@ -7690,9 +7690,9 @@
           <p:grpSpPr>
             <a:xfrm>
               <a:off x="5961904" y="3112603"/>
-              <a:ext cx="638600" cy="529549"/>
+              <a:ext cx="638600" cy="652659"/>
               <a:chOff x="5961904" y="3169757"/>
-              <a:chExt cx="638600" cy="529549"/>
+              <a:chExt cx="638600" cy="652659"/>
             </a:xfrm>
           </p:grpSpPr>
           <p:pic>
@@ -7749,7 +7749,7 @@
             <p:spPr>
               <a:xfrm>
                 <a:off x="5961904" y="3483862"/>
-                <a:ext cx="638600" cy="215444"/>
+                <a:ext cx="638600" cy="338554"/>
               </a:xfrm>
               <a:prstGeom prst="rect">
                 <a:avLst/>
@@ -7764,8 +7764,12 @@
               <a:p>
                 <a:pPr algn="ctr"/>
                 <a:r>
-                  <a:rPr lang="en-US" altLang="zh-CN" sz="800" b="1" i="1" dirty="0"/>
-                  <a:t>FL Client</a:t>
+                  <a:rPr lang="en-US" altLang="zh-CN" sz="800" b="1" i="1" dirty="0">
+                    <a:solidFill>
+                      <a:srgbClr val="FF0000"/>
+                    </a:solidFill>
+                  </a:rPr>
+                  <a:t>Byzantine Client</a:t>
                 </a:r>
               </a:p>
             </p:txBody>
@@ -15669,9 +15673,9 @@
           <p:grpSpPr>
             <a:xfrm>
               <a:off x="5969070" y="2065657"/>
-              <a:ext cx="638600" cy="517856"/>
+              <a:ext cx="638600" cy="640966"/>
               <a:chOff x="5957582" y="2483877"/>
-              <a:chExt cx="638600" cy="517856"/>
+              <a:chExt cx="638600" cy="640966"/>
             </a:xfrm>
           </p:grpSpPr>
           <p:pic>
@@ -15728,7 +15732,7 @@
             <p:spPr>
               <a:xfrm>
                 <a:off x="5957582" y="2786289"/>
-                <a:ext cx="638600" cy="215444"/>
+                <a:ext cx="638600" cy="338554"/>
               </a:xfrm>
               <a:prstGeom prst="rect">
                 <a:avLst/>
@@ -15743,8 +15747,12 @@
               <a:p>
                 <a:pPr algn="ctr"/>
                 <a:r>
-                  <a:rPr lang="en-US" altLang="zh-CN" sz="800" b="1" i="1" dirty="0"/>
-                  <a:t>FL Server</a:t>
+                  <a:rPr lang="en-US" altLang="zh-CN" sz="800" b="1" i="1" dirty="0">
+                    <a:solidFill>
+                      <a:schemeClr val="accent1"/>
+                    </a:solidFill>
+                  </a:rPr>
+                  <a:t>Central Server</a:t>
                 </a:r>
               </a:p>
             </p:txBody>

--- a/Manuscript_TIFS/figures/Figure_System.pptx
+++ b/Manuscript_TIFS/figures/Figure_System.pptx
@@ -241,7 +241,7 @@
           <a:p>
             <a:fld id="{D997B5FA-0921-464F-AAE1-844C04324D75}" type="datetimeFigureOut">
               <a:rPr lang="zh-CN" altLang="en-US" smtClean="0"/>
-              <a:t>2022-02-19</a:t>
+              <a:t>2022-02-24</a:t>
             </a:fld>
             <a:endParaRPr lang="zh-CN" altLang="en-US"/>
           </a:p>
@@ -404,7 +404,7 @@
           <a:p>
             <a:fld id="{D997B5FA-0921-464F-AAE1-844C04324D75}" type="datetimeFigureOut">
               <a:rPr lang="zh-CN" altLang="en-US" smtClean="0"/>
-              <a:t>2022-02-19</a:t>
+              <a:t>2022-02-24</a:t>
             </a:fld>
             <a:endParaRPr lang="zh-CN" altLang="en-US"/>
           </a:p>
@@ -577,7 +577,7 @@
           <a:p>
             <a:fld id="{D997B5FA-0921-464F-AAE1-844C04324D75}" type="datetimeFigureOut">
               <a:rPr lang="zh-CN" altLang="en-US" smtClean="0"/>
-              <a:t>2022-02-19</a:t>
+              <a:t>2022-02-24</a:t>
             </a:fld>
             <a:endParaRPr lang="zh-CN" altLang="en-US"/>
           </a:p>
@@ -740,7 +740,7 @@
           <a:p>
             <a:fld id="{D997B5FA-0921-464F-AAE1-844C04324D75}" type="datetimeFigureOut">
               <a:rPr lang="zh-CN" altLang="en-US" smtClean="0"/>
-              <a:t>2022-02-19</a:t>
+              <a:t>2022-02-24</a:t>
             </a:fld>
             <a:endParaRPr lang="zh-CN" altLang="en-US"/>
           </a:p>
@@ -980,7 +980,7 @@
           <a:p>
             <a:fld id="{D997B5FA-0921-464F-AAE1-844C04324D75}" type="datetimeFigureOut">
               <a:rPr lang="zh-CN" altLang="en-US" smtClean="0"/>
-              <a:t>2022-02-19</a:t>
+              <a:t>2022-02-24</a:t>
             </a:fld>
             <a:endParaRPr lang="zh-CN" altLang="en-US"/>
           </a:p>
@@ -1204,7 +1204,7 @@
           <a:p>
             <a:fld id="{D997B5FA-0921-464F-AAE1-844C04324D75}" type="datetimeFigureOut">
               <a:rPr lang="zh-CN" altLang="en-US" smtClean="0"/>
-              <a:t>2022-02-19</a:t>
+              <a:t>2022-02-24</a:t>
             </a:fld>
             <a:endParaRPr lang="zh-CN" altLang="en-US"/>
           </a:p>
@@ -1563,7 +1563,7 @@
           <a:p>
             <a:fld id="{D997B5FA-0921-464F-AAE1-844C04324D75}" type="datetimeFigureOut">
               <a:rPr lang="zh-CN" altLang="en-US" smtClean="0"/>
-              <a:t>2022-02-19</a:t>
+              <a:t>2022-02-24</a:t>
             </a:fld>
             <a:endParaRPr lang="zh-CN" altLang="en-US"/>
           </a:p>
@@ -1675,7 +1675,7 @@
           <a:p>
             <a:fld id="{D997B5FA-0921-464F-AAE1-844C04324D75}" type="datetimeFigureOut">
               <a:rPr lang="zh-CN" altLang="en-US" smtClean="0"/>
-              <a:t>2022-02-19</a:t>
+              <a:t>2022-02-24</a:t>
             </a:fld>
             <a:endParaRPr lang="zh-CN" altLang="en-US"/>
           </a:p>
@@ -1765,7 +1765,7 @@
           <a:p>
             <a:fld id="{D997B5FA-0921-464F-AAE1-844C04324D75}" type="datetimeFigureOut">
               <a:rPr lang="zh-CN" altLang="en-US" smtClean="0"/>
-              <a:t>2022-02-19</a:t>
+              <a:t>2022-02-24</a:t>
             </a:fld>
             <a:endParaRPr lang="zh-CN" altLang="en-US"/>
           </a:p>
@@ -2035,7 +2035,7 @@
           <a:p>
             <a:fld id="{D997B5FA-0921-464F-AAE1-844C04324D75}" type="datetimeFigureOut">
               <a:rPr lang="zh-CN" altLang="en-US" smtClean="0"/>
-              <a:t>2022-02-19</a:t>
+              <a:t>2022-02-24</a:t>
             </a:fld>
             <a:endParaRPr lang="zh-CN" altLang="en-US"/>
           </a:p>
@@ -2282,7 +2282,7 @@
           <a:p>
             <a:fld id="{D997B5FA-0921-464F-AAE1-844C04324D75}" type="datetimeFigureOut">
               <a:rPr lang="zh-CN" altLang="en-US" smtClean="0"/>
-              <a:t>2022-02-19</a:t>
+              <a:t>2022-02-24</a:t>
             </a:fld>
             <a:endParaRPr lang="zh-CN" altLang="en-US"/>
           </a:p>
@@ -2488,7 +2488,7 @@
           <a:p>
             <a:fld id="{D997B5FA-0921-464F-AAE1-844C04324D75}" type="datetimeFigureOut">
               <a:rPr lang="zh-CN" altLang="en-US" smtClean="0"/>
-              <a:t>2022-02-19</a:t>
+              <a:t>2022-02-24</a:t>
             </a:fld>
             <a:endParaRPr lang="zh-CN" altLang="en-US"/>
           </a:p>
@@ -3117,7 +3117,10 @@
                 <a:lstStyle/>
                 <a:p>
                   <a:pPr algn="ctr"/>
-                  <a:endParaRPr lang="zh-CN" altLang="en-US"/>
+                  <a:endParaRPr lang="zh-CN" altLang="en-US">
+                    <a:latin typeface="Calibri" panose="020F0502020204030204" pitchFamily="34" charset="0"/>
+                    <a:cs typeface="Calibri" panose="020F0502020204030204" pitchFamily="34" charset="0"/>
+                  </a:endParaRPr>
                 </a:p>
               </p:txBody>
             </p:sp>
@@ -3204,7 +3207,10 @@
                     <a:lstStyle/>
                     <a:p>
                       <a:pPr algn="ctr"/>
-                      <a:endParaRPr lang="zh-CN" altLang="en-US" dirty="0"/>
+                      <a:endParaRPr lang="zh-CN" altLang="en-US" dirty="0">
+                        <a:latin typeface="Calibri" panose="020F0502020204030204" pitchFamily="34" charset="0"/>
+                        <a:cs typeface="Calibri" panose="020F0502020204030204" pitchFamily="34" charset="0"/>
+                      </a:endParaRPr>
                     </a:p>
                   </p:txBody>
                 </p:sp>
@@ -3251,7 +3257,10 @@
                     <a:lstStyle/>
                     <a:p>
                       <a:pPr algn="ctr"/>
-                      <a:endParaRPr lang="zh-CN" altLang="en-US"/>
+                      <a:endParaRPr lang="zh-CN" altLang="en-US">
+                        <a:latin typeface="Calibri" panose="020F0502020204030204" pitchFamily="34" charset="0"/>
+                        <a:cs typeface="Calibri" panose="020F0502020204030204" pitchFamily="34" charset="0"/>
+                      </a:endParaRPr>
                     </a:p>
                   </p:txBody>
                 </p:sp>
@@ -3298,7 +3307,10 @@
                     <a:lstStyle/>
                     <a:p>
                       <a:pPr algn="ctr"/>
-                      <a:endParaRPr lang="zh-CN" altLang="en-US"/>
+                      <a:endParaRPr lang="zh-CN" altLang="en-US">
+                        <a:latin typeface="Calibri" panose="020F0502020204030204" pitchFamily="34" charset="0"/>
+                        <a:cs typeface="Calibri" panose="020F0502020204030204" pitchFamily="34" charset="0"/>
+                      </a:endParaRPr>
                     </a:p>
                   </p:txBody>
                 </p:sp>
@@ -3345,7 +3357,10 @@
                     <a:lstStyle/>
                     <a:p>
                       <a:pPr algn="ctr"/>
-                      <a:endParaRPr lang="zh-CN" altLang="en-US"/>
+                      <a:endParaRPr lang="zh-CN" altLang="en-US">
+                        <a:latin typeface="Calibri" panose="020F0502020204030204" pitchFamily="34" charset="0"/>
+                        <a:cs typeface="Calibri" panose="020F0502020204030204" pitchFamily="34" charset="0"/>
+                      </a:endParaRPr>
                     </a:p>
                   </p:txBody>
                 </p:sp>
@@ -3392,7 +3407,10 @@
                     <a:lstStyle/>
                     <a:p>
                       <a:pPr algn="ctr"/>
-                      <a:endParaRPr lang="zh-CN" altLang="en-US"/>
+                      <a:endParaRPr lang="zh-CN" altLang="en-US">
+                        <a:latin typeface="Calibri" panose="020F0502020204030204" pitchFamily="34" charset="0"/>
+                        <a:cs typeface="Calibri" panose="020F0502020204030204" pitchFamily="34" charset="0"/>
+                      </a:endParaRPr>
                     </a:p>
                   </p:txBody>
                 </p:sp>
@@ -3439,7 +3457,10 @@
                     <a:lstStyle/>
                     <a:p>
                       <a:pPr algn="ctr"/>
-                      <a:endParaRPr lang="zh-CN" altLang="en-US"/>
+                      <a:endParaRPr lang="zh-CN" altLang="en-US">
+                        <a:latin typeface="Calibri" panose="020F0502020204030204" pitchFamily="34" charset="0"/>
+                        <a:cs typeface="Calibri" panose="020F0502020204030204" pitchFamily="34" charset="0"/>
+                      </a:endParaRPr>
                     </a:p>
                   </p:txBody>
                 </p:sp>
@@ -3486,7 +3507,10 @@
                     <a:lstStyle/>
                     <a:p>
                       <a:pPr algn="ctr"/>
-                      <a:endParaRPr lang="zh-CN" altLang="en-US"/>
+                      <a:endParaRPr lang="zh-CN" altLang="en-US">
+                        <a:latin typeface="Calibri" panose="020F0502020204030204" pitchFamily="34" charset="0"/>
+                        <a:cs typeface="Calibri" panose="020F0502020204030204" pitchFamily="34" charset="0"/>
+                      </a:endParaRPr>
                     </a:p>
                   </p:txBody>
                 </p:sp>
@@ -3533,7 +3557,10 @@
                     <a:lstStyle/>
                     <a:p>
                       <a:pPr algn="ctr"/>
-                      <a:endParaRPr lang="zh-CN" altLang="en-US"/>
+                      <a:endParaRPr lang="zh-CN" altLang="en-US">
+                        <a:latin typeface="Calibri" panose="020F0502020204030204" pitchFamily="34" charset="0"/>
+                        <a:cs typeface="Calibri" panose="020F0502020204030204" pitchFamily="34" charset="0"/>
+                      </a:endParaRPr>
                     </a:p>
                   </p:txBody>
                 </p:sp>
@@ -3580,7 +3607,10 @@
                     <a:lstStyle/>
                     <a:p>
                       <a:pPr algn="ctr"/>
-                      <a:endParaRPr lang="zh-CN" altLang="en-US"/>
+                      <a:endParaRPr lang="zh-CN" altLang="en-US">
+                        <a:latin typeface="Calibri" panose="020F0502020204030204" pitchFamily="34" charset="0"/>
+                        <a:cs typeface="Calibri" panose="020F0502020204030204" pitchFamily="34" charset="0"/>
+                      </a:endParaRPr>
                     </a:p>
                   </p:txBody>
                 </p:sp>
@@ -4427,7 +4457,10 @@
                     <a:lstStyle/>
                     <a:p>
                       <a:pPr algn="ctr"/>
-                      <a:endParaRPr lang="zh-CN" altLang="en-US"/>
+                      <a:endParaRPr lang="zh-CN" altLang="en-US">
+                        <a:latin typeface="Calibri" panose="020F0502020204030204" pitchFamily="34" charset="0"/>
+                        <a:cs typeface="Calibri" panose="020F0502020204030204" pitchFamily="34" charset="0"/>
+                      </a:endParaRPr>
                     </a:p>
                   </p:txBody>
                 </p:sp>
@@ -4632,7 +4665,10 @@
                   <a:lstStyle/>
                   <a:p>
                     <a:pPr algn="ctr"/>
-                    <a:endParaRPr lang="zh-CN" altLang="en-US"/>
+                    <a:endParaRPr lang="zh-CN" altLang="en-US">
+                      <a:latin typeface="Calibri" panose="020F0502020204030204" pitchFamily="34" charset="0"/>
+                      <a:cs typeface="Calibri" panose="020F0502020204030204" pitchFamily="34" charset="0"/>
+                    </a:endParaRPr>
                   </a:p>
                 </p:txBody>
               </p:sp>
@@ -4700,7 +4736,10 @@
                   <a:lstStyle/>
                   <a:p>
                     <a:pPr algn="ctr"/>
-                    <a:endParaRPr lang="zh-CN" altLang="en-US" dirty="0"/>
+                    <a:endParaRPr lang="zh-CN" altLang="en-US" dirty="0">
+                      <a:latin typeface="Calibri" panose="020F0502020204030204" pitchFamily="34" charset="0"/>
+                      <a:cs typeface="Calibri" panose="020F0502020204030204" pitchFamily="34" charset="0"/>
+                    </a:endParaRPr>
                   </a:p>
                 </p:txBody>
               </p:sp>
@@ -4747,7 +4786,10 @@
                   <a:lstStyle/>
                   <a:p>
                     <a:pPr algn="ctr"/>
-                    <a:endParaRPr lang="zh-CN" altLang="en-US"/>
+                    <a:endParaRPr lang="zh-CN" altLang="en-US">
+                      <a:latin typeface="Calibri" panose="020F0502020204030204" pitchFamily="34" charset="0"/>
+                      <a:cs typeface="Calibri" panose="020F0502020204030204" pitchFamily="34" charset="0"/>
+                    </a:endParaRPr>
                   </a:p>
                 </p:txBody>
               </p:sp>
@@ -4794,7 +4836,10 @@
                   <a:lstStyle/>
                   <a:p>
                     <a:pPr algn="ctr"/>
-                    <a:endParaRPr lang="zh-CN" altLang="en-US"/>
+                    <a:endParaRPr lang="zh-CN" altLang="en-US">
+                      <a:latin typeface="Calibri" panose="020F0502020204030204" pitchFamily="34" charset="0"/>
+                      <a:cs typeface="Calibri" panose="020F0502020204030204" pitchFamily="34" charset="0"/>
+                    </a:endParaRPr>
                   </a:p>
                 </p:txBody>
               </p:sp>
@@ -4841,7 +4886,10 @@
                   <a:lstStyle/>
                   <a:p>
                     <a:pPr algn="ctr"/>
-                    <a:endParaRPr lang="zh-CN" altLang="en-US"/>
+                    <a:endParaRPr lang="zh-CN" altLang="en-US">
+                      <a:latin typeface="Calibri" panose="020F0502020204030204" pitchFamily="34" charset="0"/>
+                      <a:cs typeface="Calibri" panose="020F0502020204030204" pitchFamily="34" charset="0"/>
+                    </a:endParaRPr>
                   </a:p>
                 </p:txBody>
               </p:sp>
@@ -4888,7 +4936,10 @@
                   <a:lstStyle/>
                   <a:p>
                     <a:pPr algn="ctr"/>
-                    <a:endParaRPr lang="zh-CN" altLang="en-US"/>
+                    <a:endParaRPr lang="zh-CN" altLang="en-US">
+                      <a:latin typeface="Calibri" panose="020F0502020204030204" pitchFamily="34" charset="0"/>
+                      <a:cs typeface="Calibri" panose="020F0502020204030204" pitchFamily="34" charset="0"/>
+                    </a:endParaRPr>
                   </a:p>
                 </p:txBody>
               </p:sp>
@@ -4935,7 +4986,10 @@
                   <a:lstStyle/>
                   <a:p>
                     <a:pPr algn="ctr"/>
-                    <a:endParaRPr lang="zh-CN" altLang="en-US"/>
+                    <a:endParaRPr lang="zh-CN" altLang="en-US">
+                      <a:latin typeface="Calibri" panose="020F0502020204030204" pitchFamily="34" charset="0"/>
+                      <a:cs typeface="Calibri" panose="020F0502020204030204" pitchFamily="34" charset="0"/>
+                    </a:endParaRPr>
                   </a:p>
                 </p:txBody>
               </p:sp>
@@ -4982,7 +5036,10 @@
                   <a:lstStyle/>
                   <a:p>
                     <a:pPr algn="ctr"/>
-                    <a:endParaRPr lang="zh-CN" altLang="en-US"/>
+                    <a:endParaRPr lang="zh-CN" altLang="en-US">
+                      <a:latin typeface="Calibri" panose="020F0502020204030204" pitchFamily="34" charset="0"/>
+                      <a:cs typeface="Calibri" panose="020F0502020204030204" pitchFamily="34" charset="0"/>
+                    </a:endParaRPr>
                   </a:p>
                 </p:txBody>
               </p:sp>
@@ -5029,7 +5086,10 @@
                   <a:lstStyle/>
                   <a:p>
                     <a:pPr algn="ctr"/>
-                    <a:endParaRPr lang="zh-CN" altLang="en-US"/>
+                    <a:endParaRPr lang="zh-CN" altLang="en-US">
+                      <a:latin typeface="Calibri" panose="020F0502020204030204" pitchFamily="34" charset="0"/>
+                      <a:cs typeface="Calibri" panose="020F0502020204030204" pitchFamily="34" charset="0"/>
+                    </a:endParaRPr>
                   </a:p>
                 </p:txBody>
               </p:sp>
@@ -5076,7 +5136,10 @@
                   <a:lstStyle/>
                   <a:p>
                     <a:pPr algn="ctr"/>
-                    <a:endParaRPr lang="zh-CN" altLang="en-US"/>
+                    <a:endParaRPr lang="zh-CN" altLang="en-US">
+                      <a:latin typeface="Calibri" panose="020F0502020204030204" pitchFamily="34" charset="0"/>
+                      <a:cs typeface="Calibri" panose="020F0502020204030204" pitchFamily="34" charset="0"/>
+                    </a:endParaRPr>
                   </a:p>
                 </p:txBody>
               </p:sp>
@@ -5923,7 +5986,10 @@
                   <a:lstStyle/>
                   <a:p>
                     <a:pPr algn="ctr"/>
-                    <a:endParaRPr lang="zh-CN" altLang="en-US"/>
+                    <a:endParaRPr lang="zh-CN" altLang="en-US">
+                      <a:latin typeface="Calibri" panose="020F0502020204030204" pitchFamily="34" charset="0"/>
+                      <a:cs typeface="Calibri" panose="020F0502020204030204" pitchFamily="34" charset="0"/>
+                    </a:endParaRPr>
                   </a:p>
                 </p:txBody>
               </p:sp>
@@ -6151,7 +6217,10 @@
                   <a:lstStyle/>
                   <a:p>
                     <a:pPr algn="ctr"/>
-                    <a:endParaRPr lang="zh-CN" altLang="en-US" dirty="0"/>
+                    <a:endParaRPr lang="zh-CN" altLang="en-US" dirty="0">
+                      <a:latin typeface="Calibri" panose="020F0502020204030204" pitchFamily="34" charset="0"/>
+                      <a:cs typeface="Calibri" panose="020F0502020204030204" pitchFamily="34" charset="0"/>
+                    </a:endParaRPr>
                   </a:p>
                 </p:txBody>
               </p:sp>
@@ -6198,7 +6267,10 @@
                   <a:lstStyle/>
                   <a:p>
                     <a:pPr algn="ctr"/>
-                    <a:endParaRPr lang="zh-CN" altLang="en-US"/>
+                    <a:endParaRPr lang="zh-CN" altLang="en-US">
+                      <a:latin typeface="Calibri" panose="020F0502020204030204" pitchFamily="34" charset="0"/>
+                      <a:cs typeface="Calibri" panose="020F0502020204030204" pitchFamily="34" charset="0"/>
+                    </a:endParaRPr>
                   </a:p>
                 </p:txBody>
               </p:sp>
@@ -6245,7 +6317,10 @@
                   <a:lstStyle/>
                   <a:p>
                     <a:pPr algn="ctr"/>
-                    <a:endParaRPr lang="zh-CN" altLang="en-US"/>
+                    <a:endParaRPr lang="zh-CN" altLang="en-US">
+                      <a:latin typeface="Calibri" panose="020F0502020204030204" pitchFamily="34" charset="0"/>
+                      <a:cs typeface="Calibri" panose="020F0502020204030204" pitchFamily="34" charset="0"/>
+                    </a:endParaRPr>
                   </a:p>
                 </p:txBody>
               </p:sp>
@@ -6292,7 +6367,10 @@
                   <a:lstStyle/>
                   <a:p>
                     <a:pPr algn="ctr"/>
-                    <a:endParaRPr lang="zh-CN" altLang="en-US"/>
+                    <a:endParaRPr lang="zh-CN" altLang="en-US">
+                      <a:latin typeface="Calibri" panose="020F0502020204030204" pitchFamily="34" charset="0"/>
+                      <a:cs typeface="Calibri" panose="020F0502020204030204" pitchFamily="34" charset="0"/>
+                    </a:endParaRPr>
                   </a:p>
                 </p:txBody>
               </p:sp>
@@ -6339,7 +6417,10 @@
                   <a:lstStyle/>
                   <a:p>
                     <a:pPr algn="ctr"/>
-                    <a:endParaRPr lang="zh-CN" altLang="en-US"/>
+                    <a:endParaRPr lang="zh-CN" altLang="en-US">
+                      <a:latin typeface="Calibri" panose="020F0502020204030204" pitchFamily="34" charset="0"/>
+                      <a:cs typeface="Calibri" panose="020F0502020204030204" pitchFamily="34" charset="0"/>
+                    </a:endParaRPr>
                   </a:p>
                 </p:txBody>
               </p:sp>
@@ -6386,7 +6467,10 @@
                   <a:lstStyle/>
                   <a:p>
                     <a:pPr algn="ctr"/>
-                    <a:endParaRPr lang="zh-CN" altLang="en-US"/>
+                    <a:endParaRPr lang="zh-CN" altLang="en-US">
+                      <a:latin typeface="Calibri" panose="020F0502020204030204" pitchFamily="34" charset="0"/>
+                      <a:cs typeface="Calibri" panose="020F0502020204030204" pitchFamily="34" charset="0"/>
+                    </a:endParaRPr>
                   </a:p>
                 </p:txBody>
               </p:sp>
@@ -6433,7 +6517,10 @@
                   <a:lstStyle/>
                   <a:p>
                     <a:pPr algn="ctr"/>
-                    <a:endParaRPr lang="zh-CN" altLang="en-US"/>
+                    <a:endParaRPr lang="zh-CN" altLang="en-US">
+                      <a:latin typeface="Calibri" panose="020F0502020204030204" pitchFamily="34" charset="0"/>
+                      <a:cs typeface="Calibri" panose="020F0502020204030204" pitchFamily="34" charset="0"/>
+                    </a:endParaRPr>
                   </a:p>
                 </p:txBody>
               </p:sp>
@@ -6480,7 +6567,10 @@
                   <a:lstStyle/>
                   <a:p>
                     <a:pPr algn="ctr"/>
-                    <a:endParaRPr lang="zh-CN" altLang="en-US"/>
+                    <a:endParaRPr lang="zh-CN" altLang="en-US">
+                      <a:latin typeface="Calibri" panose="020F0502020204030204" pitchFamily="34" charset="0"/>
+                      <a:cs typeface="Calibri" panose="020F0502020204030204" pitchFamily="34" charset="0"/>
+                    </a:endParaRPr>
                   </a:p>
                 </p:txBody>
               </p:sp>
@@ -6527,7 +6617,10 @@
                   <a:lstStyle/>
                   <a:p>
                     <a:pPr algn="ctr"/>
-                    <a:endParaRPr lang="zh-CN" altLang="en-US"/>
+                    <a:endParaRPr lang="zh-CN" altLang="en-US">
+                      <a:latin typeface="Calibri" panose="020F0502020204030204" pitchFamily="34" charset="0"/>
+                      <a:cs typeface="Calibri" panose="020F0502020204030204" pitchFamily="34" charset="0"/>
+                    </a:endParaRPr>
                   </a:p>
                 </p:txBody>
               </p:sp>
@@ -7374,7 +7467,10 @@
                   <a:lstStyle/>
                   <a:p>
                     <a:pPr algn="ctr"/>
-                    <a:endParaRPr lang="zh-CN" altLang="en-US"/>
+                    <a:endParaRPr lang="zh-CN" altLang="en-US">
+                      <a:latin typeface="Calibri" panose="020F0502020204030204" pitchFamily="34" charset="0"/>
+                      <a:cs typeface="Calibri" panose="020F0502020204030204" pitchFamily="34" charset="0"/>
+                    </a:endParaRPr>
                   </a:p>
                 </p:txBody>
               </p:sp>
@@ -7569,10 +7665,16 @@
                 <a:p>
                   <a:pPr algn="ctr"/>
                   <a:r>
-                    <a:rPr lang="en-US" altLang="zh-CN" b="1" dirty="0"/>
+                    <a:rPr lang="en-US" altLang="zh-CN" b="1" dirty="0">
+                      <a:latin typeface="Calibri" panose="020F0502020204030204" pitchFamily="34" charset="0"/>
+                      <a:cs typeface="Calibri" panose="020F0502020204030204" pitchFamily="34" charset="0"/>
+                    </a:rPr>
                     <a:t>=</a:t>
                   </a:r>
-                  <a:endParaRPr lang="zh-CN" altLang="en-US" b="1" dirty="0"/>
+                  <a:endParaRPr lang="zh-CN" altLang="en-US" b="1" dirty="0">
+                    <a:latin typeface="Calibri" panose="020F0502020204030204" pitchFamily="34" charset="0"/>
+                    <a:cs typeface="Calibri" panose="020F0502020204030204" pitchFamily="34" charset="0"/>
+                  </a:endParaRPr>
                 </a:p>
               </p:txBody>
             </p:sp>
@@ -7606,10 +7708,16 @@
                 <a:p>
                   <a:pPr algn="ctr"/>
                   <a:r>
-                    <a:rPr lang="en-US" altLang="zh-CN" b="1" dirty="0"/>
+                    <a:rPr lang="en-US" altLang="zh-CN" b="1" dirty="0">
+                      <a:latin typeface="Calibri" panose="020F0502020204030204" pitchFamily="34" charset="0"/>
+                      <a:cs typeface="Calibri" panose="020F0502020204030204" pitchFamily="34" charset="0"/>
+                    </a:rPr>
                     <a:t>-</a:t>
                   </a:r>
-                  <a:endParaRPr lang="zh-CN" altLang="en-US" b="1" dirty="0"/>
+                  <a:endParaRPr lang="zh-CN" altLang="en-US" b="1" dirty="0">
+                    <a:latin typeface="Calibri" panose="020F0502020204030204" pitchFamily="34" charset="0"/>
+                    <a:cs typeface="Calibri" panose="020F0502020204030204" pitchFamily="34" charset="0"/>
+                  </a:endParaRPr>
                 </a:p>
               </p:txBody>
             </p:sp>
@@ -7768,6 +7876,8 @@
                     <a:solidFill>
                       <a:srgbClr val="FF0000"/>
                     </a:solidFill>
+                    <a:latin typeface="Calibri" panose="020F0502020204030204" pitchFamily="34" charset="0"/>
+                    <a:cs typeface="Calibri" panose="020F0502020204030204" pitchFamily="34" charset="0"/>
                   </a:rPr>
                   <a:t>Byzantine Client</a:t>
                 </a:r>
@@ -7822,7 +7932,10 @@
             <a:lstStyle/>
             <a:p>
               <a:pPr algn="ctr"/>
-              <a:endParaRPr lang="en-US" sz="900"/>
+              <a:endParaRPr lang="en-US" sz="900">
+                <a:latin typeface="Calibri" panose="020F0502020204030204" pitchFamily="34" charset="0"/>
+                <a:cs typeface="Calibri" panose="020F0502020204030204" pitchFamily="34" charset="0"/>
+              </a:endParaRPr>
             </a:p>
           </p:txBody>
         </p:sp>
@@ -7856,7 +7969,10 @@
             <a:p>
               <a:pPr algn="ctr"/>
               <a:r>
-                <a:rPr lang="en-US" altLang="zh-CN" sz="800" b="1" i="1" dirty="0"/>
+                <a:rPr lang="en-US" altLang="zh-CN" sz="800" b="1" i="1" dirty="0">
+                  <a:latin typeface="Calibri" panose="020F0502020204030204" pitchFamily="34" charset="0"/>
+                  <a:cs typeface="Calibri" panose="020F0502020204030204" pitchFamily="34" charset="0"/>
+                </a:rPr>
                 <a:t>Local Dataset</a:t>
               </a:r>
             </a:p>
@@ -7945,7 +8061,10 @@
                 <a:lstStyle/>
                 <a:p>
                   <a:pPr algn="ctr"/>
-                  <a:endParaRPr lang="zh-CN" altLang="en-US" dirty="0"/>
+                  <a:endParaRPr lang="zh-CN" altLang="en-US" dirty="0">
+                    <a:latin typeface="Calibri" panose="020F0502020204030204" pitchFamily="34" charset="0"/>
+                    <a:cs typeface="Calibri" panose="020F0502020204030204" pitchFamily="34" charset="0"/>
+                  </a:endParaRPr>
                 </a:p>
               </p:txBody>
             </p:sp>
@@ -7992,7 +8111,10 @@
                 <a:lstStyle/>
                 <a:p>
                   <a:pPr algn="ctr"/>
-                  <a:endParaRPr lang="zh-CN" altLang="en-US"/>
+                  <a:endParaRPr lang="zh-CN" altLang="en-US">
+                    <a:latin typeface="Calibri" panose="020F0502020204030204" pitchFamily="34" charset="0"/>
+                    <a:cs typeface="Calibri" panose="020F0502020204030204" pitchFamily="34" charset="0"/>
+                  </a:endParaRPr>
                 </a:p>
               </p:txBody>
             </p:sp>
@@ -8039,7 +8161,10 @@
                 <a:lstStyle/>
                 <a:p>
                   <a:pPr algn="ctr"/>
-                  <a:endParaRPr lang="zh-CN" altLang="en-US"/>
+                  <a:endParaRPr lang="zh-CN" altLang="en-US">
+                    <a:latin typeface="Calibri" panose="020F0502020204030204" pitchFamily="34" charset="0"/>
+                    <a:cs typeface="Calibri" panose="020F0502020204030204" pitchFamily="34" charset="0"/>
+                  </a:endParaRPr>
                 </a:p>
               </p:txBody>
             </p:sp>
@@ -8086,7 +8211,10 @@
                 <a:lstStyle/>
                 <a:p>
                   <a:pPr algn="ctr"/>
-                  <a:endParaRPr lang="zh-CN" altLang="en-US"/>
+                  <a:endParaRPr lang="zh-CN" altLang="en-US">
+                    <a:latin typeface="Calibri" panose="020F0502020204030204" pitchFamily="34" charset="0"/>
+                    <a:cs typeface="Calibri" panose="020F0502020204030204" pitchFamily="34" charset="0"/>
+                  </a:endParaRPr>
                 </a:p>
               </p:txBody>
             </p:sp>
@@ -8133,7 +8261,10 @@
                 <a:lstStyle/>
                 <a:p>
                   <a:pPr algn="ctr"/>
-                  <a:endParaRPr lang="zh-CN" altLang="en-US"/>
+                  <a:endParaRPr lang="zh-CN" altLang="en-US">
+                    <a:latin typeface="Calibri" panose="020F0502020204030204" pitchFamily="34" charset="0"/>
+                    <a:cs typeface="Calibri" panose="020F0502020204030204" pitchFamily="34" charset="0"/>
+                  </a:endParaRPr>
                 </a:p>
               </p:txBody>
             </p:sp>
@@ -8180,7 +8311,10 @@
                 <a:lstStyle/>
                 <a:p>
                   <a:pPr algn="ctr"/>
-                  <a:endParaRPr lang="zh-CN" altLang="en-US"/>
+                  <a:endParaRPr lang="zh-CN" altLang="en-US">
+                    <a:latin typeface="Calibri" panose="020F0502020204030204" pitchFamily="34" charset="0"/>
+                    <a:cs typeface="Calibri" panose="020F0502020204030204" pitchFamily="34" charset="0"/>
+                  </a:endParaRPr>
                 </a:p>
               </p:txBody>
             </p:sp>
@@ -8227,7 +8361,10 @@
                 <a:lstStyle/>
                 <a:p>
                   <a:pPr algn="ctr"/>
-                  <a:endParaRPr lang="zh-CN" altLang="en-US"/>
+                  <a:endParaRPr lang="zh-CN" altLang="en-US">
+                    <a:latin typeface="Calibri" panose="020F0502020204030204" pitchFamily="34" charset="0"/>
+                    <a:cs typeface="Calibri" panose="020F0502020204030204" pitchFamily="34" charset="0"/>
+                  </a:endParaRPr>
                 </a:p>
               </p:txBody>
             </p:sp>
@@ -8274,7 +8411,10 @@
                 <a:lstStyle/>
                 <a:p>
                   <a:pPr algn="ctr"/>
-                  <a:endParaRPr lang="zh-CN" altLang="en-US"/>
+                  <a:endParaRPr lang="zh-CN" altLang="en-US">
+                    <a:latin typeface="Calibri" panose="020F0502020204030204" pitchFamily="34" charset="0"/>
+                    <a:cs typeface="Calibri" panose="020F0502020204030204" pitchFamily="34" charset="0"/>
+                  </a:endParaRPr>
                 </a:p>
               </p:txBody>
             </p:sp>
@@ -8321,7 +8461,10 @@
                 <a:lstStyle/>
                 <a:p>
                   <a:pPr algn="ctr"/>
-                  <a:endParaRPr lang="zh-CN" altLang="en-US"/>
+                  <a:endParaRPr lang="zh-CN" altLang="en-US">
+                    <a:latin typeface="Calibri" panose="020F0502020204030204" pitchFamily="34" charset="0"/>
+                    <a:cs typeface="Calibri" panose="020F0502020204030204" pitchFamily="34" charset="0"/>
+                  </a:endParaRPr>
                 </a:p>
               </p:txBody>
             </p:sp>
@@ -9168,7 +9311,10 @@
                 <a:lstStyle/>
                 <a:p>
                   <a:pPr algn="ctr"/>
-                  <a:endParaRPr lang="zh-CN" altLang="en-US"/>
+                  <a:endParaRPr lang="zh-CN" altLang="en-US">
+                    <a:latin typeface="Calibri" panose="020F0502020204030204" pitchFamily="34" charset="0"/>
+                    <a:cs typeface="Calibri" panose="020F0502020204030204" pitchFamily="34" charset="0"/>
+                  </a:endParaRPr>
                 </a:p>
               </p:txBody>
             </p:sp>
@@ -9393,7 +9539,10 @@
               <a:p>
                 <a:pPr algn="ctr"/>
                 <a:r>
-                  <a:rPr lang="en-US" altLang="zh-CN" sz="800" b="1" i="1" dirty="0"/>
+                  <a:rPr lang="en-US" altLang="zh-CN" sz="800" b="1" i="1" dirty="0">
+                    <a:latin typeface="Calibri" panose="020F0502020204030204" pitchFamily="34" charset="0"/>
+                    <a:cs typeface="Calibri" panose="020F0502020204030204" pitchFamily="34" charset="0"/>
+                  </a:rPr>
                   <a:t>Local Model</a:t>
                 </a:r>
               </a:p>
@@ -9484,7 +9633,10 @@
               <a:lstStyle/>
               <a:p>
                 <a:pPr algn="ctr"/>
-                <a:endParaRPr lang="zh-CN" altLang="en-US" dirty="0"/>
+                <a:endParaRPr lang="zh-CN" altLang="en-US" dirty="0">
+                  <a:latin typeface="Calibri" panose="020F0502020204030204" pitchFamily="34" charset="0"/>
+                  <a:cs typeface="Calibri" panose="020F0502020204030204" pitchFamily="34" charset="0"/>
+                </a:endParaRPr>
               </a:p>
             </p:txBody>
           </p:sp>
@@ -9531,7 +9683,10 @@
               <a:lstStyle/>
               <a:p>
                 <a:pPr algn="ctr"/>
-                <a:endParaRPr lang="zh-CN" altLang="en-US"/>
+                <a:endParaRPr lang="zh-CN" altLang="en-US">
+                  <a:latin typeface="Calibri" panose="020F0502020204030204" pitchFamily="34" charset="0"/>
+                  <a:cs typeface="Calibri" panose="020F0502020204030204" pitchFamily="34" charset="0"/>
+                </a:endParaRPr>
               </a:p>
             </p:txBody>
           </p:sp>
@@ -9578,7 +9733,10 @@
               <a:lstStyle/>
               <a:p>
                 <a:pPr algn="ctr"/>
-                <a:endParaRPr lang="zh-CN" altLang="en-US"/>
+                <a:endParaRPr lang="zh-CN" altLang="en-US">
+                  <a:latin typeface="Calibri" panose="020F0502020204030204" pitchFamily="34" charset="0"/>
+                  <a:cs typeface="Calibri" panose="020F0502020204030204" pitchFamily="34" charset="0"/>
+                </a:endParaRPr>
               </a:p>
             </p:txBody>
           </p:sp>
@@ -9625,7 +9783,10 @@
               <a:lstStyle/>
               <a:p>
                 <a:pPr algn="ctr"/>
-                <a:endParaRPr lang="zh-CN" altLang="en-US"/>
+                <a:endParaRPr lang="zh-CN" altLang="en-US">
+                  <a:latin typeface="Calibri" panose="020F0502020204030204" pitchFamily="34" charset="0"/>
+                  <a:cs typeface="Calibri" panose="020F0502020204030204" pitchFamily="34" charset="0"/>
+                </a:endParaRPr>
               </a:p>
             </p:txBody>
           </p:sp>
@@ -9672,7 +9833,10 @@
               <a:lstStyle/>
               <a:p>
                 <a:pPr algn="ctr"/>
-                <a:endParaRPr lang="zh-CN" altLang="en-US"/>
+                <a:endParaRPr lang="zh-CN" altLang="en-US">
+                  <a:latin typeface="Calibri" panose="020F0502020204030204" pitchFamily="34" charset="0"/>
+                  <a:cs typeface="Calibri" panose="020F0502020204030204" pitchFamily="34" charset="0"/>
+                </a:endParaRPr>
               </a:p>
             </p:txBody>
           </p:sp>
@@ -9719,7 +9883,10 @@
               <a:lstStyle/>
               <a:p>
                 <a:pPr algn="ctr"/>
-                <a:endParaRPr lang="zh-CN" altLang="en-US"/>
+                <a:endParaRPr lang="zh-CN" altLang="en-US">
+                  <a:latin typeface="Calibri" panose="020F0502020204030204" pitchFamily="34" charset="0"/>
+                  <a:cs typeface="Calibri" panose="020F0502020204030204" pitchFamily="34" charset="0"/>
+                </a:endParaRPr>
               </a:p>
             </p:txBody>
           </p:sp>
@@ -9766,7 +9933,10 @@
               <a:lstStyle/>
               <a:p>
                 <a:pPr algn="ctr"/>
-                <a:endParaRPr lang="zh-CN" altLang="en-US"/>
+                <a:endParaRPr lang="zh-CN" altLang="en-US">
+                  <a:latin typeface="Calibri" panose="020F0502020204030204" pitchFamily="34" charset="0"/>
+                  <a:cs typeface="Calibri" panose="020F0502020204030204" pitchFamily="34" charset="0"/>
+                </a:endParaRPr>
               </a:p>
             </p:txBody>
           </p:sp>
@@ -9813,7 +9983,10 @@
               <a:lstStyle/>
               <a:p>
                 <a:pPr algn="ctr"/>
-                <a:endParaRPr lang="zh-CN" altLang="en-US"/>
+                <a:endParaRPr lang="zh-CN" altLang="en-US">
+                  <a:latin typeface="Calibri" panose="020F0502020204030204" pitchFamily="34" charset="0"/>
+                  <a:cs typeface="Calibri" panose="020F0502020204030204" pitchFamily="34" charset="0"/>
+                </a:endParaRPr>
               </a:p>
             </p:txBody>
           </p:sp>
@@ -9860,7 +10033,10 @@
               <a:lstStyle/>
               <a:p>
                 <a:pPr algn="ctr"/>
-                <a:endParaRPr lang="zh-CN" altLang="en-US"/>
+                <a:endParaRPr lang="zh-CN" altLang="en-US">
+                  <a:latin typeface="Calibri" panose="020F0502020204030204" pitchFamily="34" charset="0"/>
+                  <a:cs typeface="Calibri" panose="020F0502020204030204" pitchFamily="34" charset="0"/>
+                </a:endParaRPr>
               </a:p>
             </p:txBody>
           </p:sp>
@@ -10707,7 +10883,10 @@
               <a:lstStyle/>
               <a:p>
                 <a:pPr algn="ctr"/>
-                <a:endParaRPr lang="zh-CN" altLang="en-US"/>
+                <a:endParaRPr lang="zh-CN" altLang="en-US">
+                  <a:latin typeface="Calibri" panose="020F0502020204030204" pitchFamily="34" charset="0"/>
+                  <a:cs typeface="Calibri" panose="020F0502020204030204" pitchFamily="34" charset="0"/>
+                </a:endParaRPr>
               </a:p>
             </p:txBody>
           </p:sp>
@@ -10921,7 +11100,10 @@
             <a:lstStyle/>
             <a:p>
               <a:pPr algn="ctr"/>
-              <a:endParaRPr lang="zh-CN" altLang="en-US" sz="900"/>
+              <a:endParaRPr lang="zh-CN" altLang="en-US" sz="900">
+                <a:latin typeface="Calibri" panose="020F0502020204030204" pitchFamily="34" charset="0"/>
+                <a:cs typeface="Calibri" panose="020F0502020204030204" pitchFamily="34" charset="0"/>
+              </a:endParaRPr>
             </a:p>
           </p:txBody>
         </p:sp>
@@ -11028,7 +11210,10 @@
                   <a:lstStyle/>
                   <a:p>
                     <a:pPr algn="ctr"/>
-                    <a:endParaRPr lang="zh-CN" altLang="en-US" dirty="0"/>
+                    <a:endParaRPr lang="zh-CN" altLang="en-US" dirty="0">
+                      <a:latin typeface="Calibri" panose="020F0502020204030204" pitchFamily="34" charset="0"/>
+                      <a:cs typeface="Calibri" panose="020F0502020204030204" pitchFamily="34" charset="0"/>
+                    </a:endParaRPr>
                   </a:p>
                 </p:txBody>
               </p:sp>
@@ -11075,7 +11260,10 @@
                   <a:lstStyle/>
                   <a:p>
                     <a:pPr algn="ctr"/>
-                    <a:endParaRPr lang="zh-CN" altLang="en-US"/>
+                    <a:endParaRPr lang="zh-CN" altLang="en-US">
+                      <a:latin typeface="Calibri" panose="020F0502020204030204" pitchFamily="34" charset="0"/>
+                      <a:cs typeface="Calibri" panose="020F0502020204030204" pitchFamily="34" charset="0"/>
+                    </a:endParaRPr>
                   </a:p>
                 </p:txBody>
               </p:sp>
@@ -11122,7 +11310,10 @@
                   <a:lstStyle/>
                   <a:p>
                     <a:pPr algn="ctr"/>
-                    <a:endParaRPr lang="zh-CN" altLang="en-US"/>
+                    <a:endParaRPr lang="zh-CN" altLang="en-US">
+                      <a:latin typeface="Calibri" panose="020F0502020204030204" pitchFamily="34" charset="0"/>
+                      <a:cs typeface="Calibri" panose="020F0502020204030204" pitchFamily="34" charset="0"/>
+                    </a:endParaRPr>
                   </a:p>
                 </p:txBody>
               </p:sp>
@@ -11169,7 +11360,10 @@
                   <a:lstStyle/>
                   <a:p>
                     <a:pPr algn="ctr"/>
-                    <a:endParaRPr lang="zh-CN" altLang="en-US"/>
+                    <a:endParaRPr lang="zh-CN" altLang="en-US">
+                      <a:latin typeface="Calibri" panose="020F0502020204030204" pitchFamily="34" charset="0"/>
+                      <a:cs typeface="Calibri" panose="020F0502020204030204" pitchFamily="34" charset="0"/>
+                    </a:endParaRPr>
                   </a:p>
                 </p:txBody>
               </p:sp>
@@ -11216,7 +11410,10 @@
                   <a:lstStyle/>
                   <a:p>
                     <a:pPr algn="ctr"/>
-                    <a:endParaRPr lang="zh-CN" altLang="en-US"/>
+                    <a:endParaRPr lang="zh-CN" altLang="en-US">
+                      <a:latin typeface="Calibri" panose="020F0502020204030204" pitchFamily="34" charset="0"/>
+                      <a:cs typeface="Calibri" panose="020F0502020204030204" pitchFamily="34" charset="0"/>
+                    </a:endParaRPr>
                   </a:p>
                 </p:txBody>
               </p:sp>
@@ -11263,7 +11460,10 @@
                   <a:lstStyle/>
                   <a:p>
                     <a:pPr algn="ctr"/>
-                    <a:endParaRPr lang="zh-CN" altLang="en-US"/>
+                    <a:endParaRPr lang="zh-CN" altLang="en-US">
+                      <a:latin typeface="Calibri" panose="020F0502020204030204" pitchFamily="34" charset="0"/>
+                      <a:cs typeface="Calibri" panose="020F0502020204030204" pitchFamily="34" charset="0"/>
+                    </a:endParaRPr>
                   </a:p>
                 </p:txBody>
               </p:sp>
@@ -11310,7 +11510,10 @@
                   <a:lstStyle/>
                   <a:p>
                     <a:pPr algn="ctr"/>
-                    <a:endParaRPr lang="zh-CN" altLang="en-US"/>
+                    <a:endParaRPr lang="zh-CN" altLang="en-US">
+                      <a:latin typeface="Calibri" panose="020F0502020204030204" pitchFamily="34" charset="0"/>
+                      <a:cs typeface="Calibri" panose="020F0502020204030204" pitchFamily="34" charset="0"/>
+                    </a:endParaRPr>
                   </a:p>
                 </p:txBody>
               </p:sp>
@@ -11357,7 +11560,10 @@
                   <a:lstStyle/>
                   <a:p>
                     <a:pPr algn="ctr"/>
-                    <a:endParaRPr lang="zh-CN" altLang="en-US"/>
+                    <a:endParaRPr lang="zh-CN" altLang="en-US">
+                      <a:latin typeface="Calibri" panose="020F0502020204030204" pitchFamily="34" charset="0"/>
+                      <a:cs typeface="Calibri" panose="020F0502020204030204" pitchFamily="34" charset="0"/>
+                    </a:endParaRPr>
                   </a:p>
                 </p:txBody>
               </p:sp>
@@ -11404,7 +11610,10 @@
                   <a:lstStyle/>
                   <a:p>
                     <a:pPr algn="ctr"/>
-                    <a:endParaRPr lang="zh-CN" altLang="en-US"/>
+                    <a:endParaRPr lang="zh-CN" altLang="en-US">
+                      <a:latin typeface="Calibri" panose="020F0502020204030204" pitchFamily="34" charset="0"/>
+                      <a:cs typeface="Calibri" panose="020F0502020204030204" pitchFamily="34" charset="0"/>
+                    </a:endParaRPr>
                   </a:p>
                 </p:txBody>
               </p:sp>
@@ -12251,7 +12460,10 @@
                   <a:lstStyle/>
                   <a:p>
                     <a:pPr algn="ctr"/>
-                    <a:endParaRPr lang="zh-CN" altLang="en-US"/>
+                    <a:endParaRPr lang="zh-CN" altLang="en-US">
+                      <a:latin typeface="Calibri" panose="020F0502020204030204" pitchFamily="34" charset="0"/>
+                      <a:cs typeface="Calibri" panose="020F0502020204030204" pitchFamily="34" charset="0"/>
+                    </a:endParaRPr>
                   </a:p>
                 </p:txBody>
               </p:sp>
@@ -12456,7 +12668,10 @@
                 <a:lstStyle/>
                 <a:p>
                   <a:pPr algn="ctr"/>
-                  <a:endParaRPr lang="zh-CN" altLang="en-US"/>
+                  <a:endParaRPr lang="zh-CN" altLang="en-US">
+                    <a:latin typeface="Calibri" panose="020F0502020204030204" pitchFamily="34" charset="0"/>
+                    <a:cs typeface="Calibri" panose="020F0502020204030204" pitchFamily="34" charset="0"/>
+                  </a:endParaRPr>
                 </a:p>
               </p:txBody>
             </p:sp>
@@ -12547,7 +12762,10 @@
                   <a:lstStyle/>
                   <a:p>
                     <a:pPr algn="ctr"/>
-                    <a:endParaRPr lang="zh-CN" altLang="en-US" dirty="0"/>
+                    <a:endParaRPr lang="zh-CN" altLang="en-US" dirty="0">
+                      <a:latin typeface="Calibri" panose="020F0502020204030204" pitchFamily="34" charset="0"/>
+                      <a:cs typeface="Calibri" panose="020F0502020204030204" pitchFamily="34" charset="0"/>
+                    </a:endParaRPr>
                   </a:p>
                 </p:txBody>
               </p:sp>
@@ -12597,7 +12815,10 @@
                   <a:lstStyle/>
                   <a:p>
                     <a:pPr algn="ctr"/>
-                    <a:endParaRPr lang="zh-CN" altLang="en-US"/>
+                    <a:endParaRPr lang="zh-CN" altLang="en-US">
+                      <a:latin typeface="Calibri" panose="020F0502020204030204" pitchFamily="34" charset="0"/>
+                      <a:cs typeface="Calibri" panose="020F0502020204030204" pitchFamily="34" charset="0"/>
+                    </a:endParaRPr>
                   </a:p>
                 </p:txBody>
               </p:sp>
@@ -12647,7 +12868,10 @@
                   <a:lstStyle/>
                   <a:p>
                     <a:pPr algn="ctr"/>
-                    <a:endParaRPr lang="zh-CN" altLang="en-US"/>
+                    <a:endParaRPr lang="zh-CN" altLang="en-US">
+                      <a:latin typeface="Calibri" panose="020F0502020204030204" pitchFamily="34" charset="0"/>
+                      <a:cs typeface="Calibri" panose="020F0502020204030204" pitchFamily="34" charset="0"/>
+                    </a:endParaRPr>
                   </a:p>
                 </p:txBody>
               </p:sp>
@@ -12697,7 +12921,10 @@
                   <a:lstStyle/>
                   <a:p>
                     <a:pPr algn="ctr"/>
-                    <a:endParaRPr lang="zh-CN" altLang="en-US"/>
+                    <a:endParaRPr lang="zh-CN" altLang="en-US">
+                      <a:latin typeface="Calibri" panose="020F0502020204030204" pitchFamily="34" charset="0"/>
+                      <a:cs typeface="Calibri" panose="020F0502020204030204" pitchFamily="34" charset="0"/>
+                    </a:endParaRPr>
                   </a:p>
                 </p:txBody>
               </p:sp>
@@ -12747,7 +12974,10 @@
                   <a:lstStyle/>
                   <a:p>
                     <a:pPr algn="ctr"/>
-                    <a:endParaRPr lang="zh-CN" altLang="en-US"/>
+                    <a:endParaRPr lang="zh-CN" altLang="en-US">
+                      <a:latin typeface="Calibri" panose="020F0502020204030204" pitchFamily="34" charset="0"/>
+                      <a:cs typeface="Calibri" panose="020F0502020204030204" pitchFamily="34" charset="0"/>
+                    </a:endParaRPr>
                   </a:p>
                 </p:txBody>
               </p:sp>
@@ -12797,7 +13027,10 @@
                   <a:lstStyle/>
                   <a:p>
                     <a:pPr algn="ctr"/>
-                    <a:endParaRPr lang="zh-CN" altLang="en-US"/>
+                    <a:endParaRPr lang="zh-CN" altLang="en-US">
+                      <a:latin typeface="Calibri" panose="020F0502020204030204" pitchFamily="34" charset="0"/>
+                      <a:cs typeface="Calibri" panose="020F0502020204030204" pitchFamily="34" charset="0"/>
+                    </a:endParaRPr>
                   </a:p>
                 </p:txBody>
               </p:sp>
@@ -12847,7 +13080,10 @@
                   <a:lstStyle/>
                   <a:p>
                     <a:pPr algn="ctr"/>
-                    <a:endParaRPr lang="zh-CN" altLang="en-US"/>
+                    <a:endParaRPr lang="zh-CN" altLang="en-US">
+                      <a:latin typeface="Calibri" panose="020F0502020204030204" pitchFamily="34" charset="0"/>
+                      <a:cs typeface="Calibri" panose="020F0502020204030204" pitchFamily="34" charset="0"/>
+                    </a:endParaRPr>
                   </a:p>
                 </p:txBody>
               </p:sp>
@@ -12897,7 +13133,10 @@
                   <a:lstStyle/>
                   <a:p>
                     <a:pPr algn="ctr"/>
-                    <a:endParaRPr lang="zh-CN" altLang="en-US"/>
+                    <a:endParaRPr lang="zh-CN" altLang="en-US">
+                      <a:latin typeface="Calibri" panose="020F0502020204030204" pitchFamily="34" charset="0"/>
+                      <a:cs typeface="Calibri" panose="020F0502020204030204" pitchFamily="34" charset="0"/>
+                    </a:endParaRPr>
                   </a:p>
                 </p:txBody>
               </p:sp>
@@ -12947,7 +13186,10 @@
                   <a:lstStyle/>
                   <a:p>
                     <a:pPr algn="ctr"/>
-                    <a:endParaRPr lang="zh-CN" altLang="en-US"/>
+                    <a:endParaRPr lang="zh-CN" altLang="en-US">
+                      <a:latin typeface="Calibri" panose="020F0502020204030204" pitchFamily="34" charset="0"/>
+                      <a:cs typeface="Calibri" panose="020F0502020204030204" pitchFamily="34" charset="0"/>
+                    </a:endParaRPr>
                   </a:p>
                 </p:txBody>
               </p:sp>
@@ -13797,7 +14039,10 @@
                   <a:lstStyle/>
                   <a:p>
                     <a:pPr algn="ctr"/>
-                    <a:endParaRPr lang="zh-CN" altLang="en-US"/>
+                    <a:endParaRPr lang="zh-CN" altLang="en-US">
+                      <a:latin typeface="Calibri" panose="020F0502020204030204" pitchFamily="34" charset="0"/>
+                      <a:cs typeface="Calibri" panose="020F0502020204030204" pitchFamily="34" charset="0"/>
+                    </a:endParaRPr>
                   </a:p>
                 </p:txBody>
               </p:sp>
@@ -14002,7 +14247,10 @@
                 <a:lstStyle/>
                 <a:p>
                   <a:pPr algn="ctr"/>
-                  <a:endParaRPr lang="zh-CN" altLang="en-US"/>
+                  <a:endParaRPr lang="zh-CN" altLang="en-US">
+                    <a:latin typeface="Calibri" panose="020F0502020204030204" pitchFamily="34" charset="0"/>
+                    <a:cs typeface="Calibri" panose="020F0502020204030204" pitchFamily="34" charset="0"/>
+                  </a:endParaRPr>
                 </a:p>
               </p:txBody>
             </p:sp>
@@ -14093,7 +14341,10 @@
                   <a:lstStyle/>
                   <a:p>
                     <a:pPr algn="ctr"/>
-                    <a:endParaRPr lang="zh-CN" altLang="en-US" dirty="0"/>
+                    <a:endParaRPr lang="zh-CN" altLang="en-US" dirty="0">
+                      <a:latin typeface="Calibri" panose="020F0502020204030204" pitchFamily="34" charset="0"/>
+                      <a:cs typeface="Calibri" panose="020F0502020204030204" pitchFamily="34" charset="0"/>
+                    </a:endParaRPr>
                   </a:p>
                 </p:txBody>
               </p:sp>
@@ -14143,7 +14394,10 @@
                   <a:lstStyle/>
                   <a:p>
                     <a:pPr algn="ctr"/>
-                    <a:endParaRPr lang="zh-CN" altLang="en-US"/>
+                    <a:endParaRPr lang="zh-CN" altLang="en-US">
+                      <a:latin typeface="Calibri" panose="020F0502020204030204" pitchFamily="34" charset="0"/>
+                      <a:cs typeface="Calibri" panose="020F0502020204030204" pitchFamily="34" charset="0"/>
+                    </a:endParaRPr>
                   </a:p>
                 </p:txBody>
               </p:sp>
@@ -14193,7 +14447,10 @@
                   <a:lstStyle/>
                   <a:p>
                     <a:pPr algn="ctr"/>
-                    <a:endParaRPr lang="zh-CN" altLang="en-US"/>
+                    <a:endParaRPr lang="zh-CN" altLang="en-US">
+                      <a:latin typeface="Calibri" panose="020F0502020204030204" pitchFamily="34" charset="0"/>
+                      <a:cs typeface="Calibri" panose="020F0502020204030204" pitchFamily="34" charset="0"/>
+                    </a:endParaRPr>
                   </a:p>
                 </p:txBody>
               </p:sp>
@@ -14243,7 +14500,10 @@
                   <a:lstStyle/>
                   <a:p>
                     <a:pPr algn="ctr"/>
-                    <a:endParaRPr lang="zh-CN" altLang="en-US"/>
+                    <a:endParaRPr lang="zh-CN" altLang="en-US">
+                      <a:latin typeface="Calibri" panose="020F0502020204030204" pitchFamily="34" charset="0"/>
+                      <a:cs typeface="Calibri" panose="020F0502020204030204" pitchFamily="34" charset="0"/>
+                    </a:endParaRPr>
                   </a:p>
                 </p:txBody>
               </p:sp>
@@ -14293,7 +14553,10 @@
                   <a:lstStyle/>
                   <a:p>
                     <a:pPr algn="ctr"/>
-                    <a:endParaRPr lang="zh-CN" altLang="en-US"/>
+                    <a:endParaRPr lang="zh-CN" altLang="en-US">
+                      <a:latin typeface="Calibri" panose="020F0502020204030204" pitchFamily="34" charset="0"/>
+                      <a:cs typeface="Calibri" panose="020F0502020204030204" pitchFamily="34" charset="0"/>
+                    </a:endParaRPr>
                   </a:p>
                 </p:txBody>
               </p:sp>
@@ -14343,7 +14606,10 @@
                   <a:lstStyle/>
                   <a:p>
                     <a:pPr algn="ctr"/>
-                    <a:endParaRPr lang="zh-CN" altLang="en-US"/>
+                    <a:endParaRPr lang="zh-CN" altLang="en-US">
+                      <a:latin typeface="Calibri" panose="020F0502020204030204" pitchFamily="34" charset="0"/>
+                      <a:cs typeface="Calibri" panose="020F0502020204030204" pitchFamily="34" charset="0"/>
+                    </a:endParaRPr>
                   </a:p>
                 </p:txBody>
               </p:sp>
@@ -14393,7 +14659,10 @@
                   <a:lstStyle/>
                   <a:p>
                     <a:pPr algn="ctr"/>
-                    <a:endParaRPr lang="zh-CN" altLang="en-US"/>
+                    <a:endParaRPr lang="zh-CN" altLang="en-US">
+                      <a:latin typeface="Calibri" panose="020F0502020204030204" pitchFamily="34" charset="0"/>
+                      <a:cs typeface="Calibri" panose="020F0502020204030204" pitchFamily="34" charset="0"/>
+                    </a:endParaRPr>
                   </a:p>
                 </p:txBody>
               </p:sp>
@@ -14443,7 +14712,10 @@
                   <a:lstStyle/>
                   <a:p>
                     <a:pPr algn="ctr"/>
-                    <a:endParaRPr lang="zh-CN" altLang="en-US"/>
+                    <a:endParaRPr lang="zh-CN" altLang="en-US">
+                      <a:latin typeface="Calibri" panose="020F0502020204030204" pitchFamily="34" charset="0"/>
+                      <a:cs typeface="Calibri" panose="020F0502020204030204" pitchFamily="34" charset="0"/>
+                    </a:endParaRPr>
                   </a:p>
                 </p:txBody>
               </p:sp>
@@ -14493,7 +14765,10 @@
                   <a:lstStyle/>
                   <a:p>
                     <a:pPr algn="ctr"/>
-                    <a:endParaRPr lang="zh-CN" altLang="en-US"/>
+                    <a:endParaRPr lang="zh-CN" altLang="en-US">
+                      <a:latin typeface="Calibri" panose="020F0502020204030204" pitchFamily="34" charset="0"/>
+                      <a:cs typeface="Calibri" panose="020F0502020204030204" pitchFamily="34" charset="0"/>
+                    </a:endParaRPr>
                   </a:p>
                 </p:txBody>
               </p:sp>
@@ -15343,7 +15618,10 @@
                   <a:lstStyle/>
                   <a:p>
                     <a:pPr algn="ctr"/>
-                    <a:endParaRPr lang="zh-CN" altLang="en-US"/>
+                    <a:endParaRPr lang="zh-CN" altLang="en-US">
+                      <a:latin typeface="Calibri" panose="020F0502020204030204" pitchFamily="34" charset="0"/>
+                      <a:cs typeface="Calibri" panose="020F0502020204030204" pitchFamily="34" charset="0"/>
+                    </a:endParaRPr>
                   </a:p>
                 </p:txBody>
               </p:sp>
@@ -15548,7 +15826,10 @@
                 <a:lstStyle/>
                 <a:p>
                   <a:pPr algn="ctr"/>
-                  <a:endParaRPr lang="zh-CN" altLang="en-US"/>
+                  <a:endParaRPr lang="zh-CN" altLang="en-US">
+                    <a:latin typeface="Calibri" panose="020F0502020204030204" pitchFamily="34" charset="0"/>
+                    <a:cs typeface="Calibri" panose="020F0502020204030204" pitchFamily="34" charset="0"/>
+                  </a:endParaRPr>
                 </a:p>
               </p:txBody>
             </p:sp>
@@ -15583,10 +15864,16 @@
               <a:p>
                 <a:pPr algn="ctr"/>
                 <a:r>
-                  <a:rPr lang="en-US" altLang="zh-CN" sz="900" b="1" dirty="0"/>
+                  <a:rPr lang="en-US" altLang="zh-CN" sz="900" b="1" dirty="0">
+                    <a:latin typeface="Calibri" panose="020F0502020204030204" pitchFamily="34" charset="0"/>
+                    <a:cs typeface="Calibri" panose="020F0502020204030204" pitchFamily="34" charset="0"/>
+                  </a:rPr>
                   <a:t>+…+</a:t>
                 </a:r>
-                <a:endParaRPr lang="zh-CN" altLang="en-US" sz="900" b="1" dirty="0"/>
+                <a:endParaRPr lang="zh-CN" altLang="en-US" sz="900" b="1" dirty="0">
+                  <a:latin typeface="Calibri" panose="020F0502020204030204" pitchFamily="34" charset="0"/>
+                  <a:cs typeface="Calibri" panose="020F0502020204030204" pitchFamily="34" charset="0"/>
+                </a:endParaRPr>
               </a:p>
             </p:txBody>
           </p:sp>
@@ -15620,10 +15907,16 @@
               <a:p>
                 <a:pPr algn="ctr"/>
                 <a:r>
-                  <a:rPr lang="en-US" altLang="zh-CN" sz="900" b="1" dirty="0"/>
+                  <a:rPr lang="en-US" altLang="zh-CN" sz="900" b="1" dirty="0">
+                    <a:latin typeface="Calibri" panose="020F0502020204030204" pitchFamily="34" charset="0"/>
+                    <a:cs typeface="Calibri" panose="020F0502020204030204" pitchFamily="34" charset="0"/>
+                  </a:rPr>
                   <a:t>+…+</a:t>
                 </a:r>
-                <a:endParaRPr lang="zh-CN" altLang="en-US" sz="900" b="1" dirty="0"/>
+                <a:endParaRPr lang="zh-CN" altLang="en-US" sz="900" b="1" dirty="0">
+                  <a:latin typeface="Calibri" panose="020F0502020204030204" pitchFamily="34" charset="0"/>
+                  <a:cs typeface="Calibri" panose="020F0502020204030204" pitchFamily="34" charset="0"/>
+                </a:endParaRPr>
               </a:p>
             </p:txBody>
           </p:sp>
@@ -15751,6 +16044,8 @@
                     <a:solidFill>
                       <a:schemeClr val="accent1"/>
                     </a:solidFill>
+                    <a:latin typeface="Calibri" panose="020F0502020204030204" pitchFamily="34" charset="0"/>
+                    <a:cs typeface="Calibri" panose="020F0502020204030204" pitchFamily="34" charset="0"/>
                   </a:rPr>
                   <a:t>Central Server</a:t>
                 </a:r>
@@ -15802,7 +16097,10 @@
             <a:lstStyle/>
             <a:p>
               <a:pPr algn="ctr"/>
-              <a:endParaRPr lang="en-US" sz="900"/>
+              <a:endParaRPr lang="en-US" sz="900">
+                <a:latin typeface="Calibri" panose="020F0502020204030204" pitchFamily="34" charset="0"/>
+                <a:cs typeface="Calibri" panose="020F0502020204030204" pitchFamily="34" charset="0"/>
+              </a:endParaRPr>
             </a:p>
           </p:txBody>
         </p:sp>
@@ -15922,7 +16220,10 @@
             <a:p>
               <a:pPr algn="ctr"/>
               <a:r>
-                <a:rPr lang="en-US" altLang="zh-CN" sz="800" b="1" dirty="0"/>
+                <a:rPr lang="en-US" altLang="zh-CN" sz="800" b="1" dirty="0">
+                  <a:latin typeface="Calibri" panose="020F0502020204030204" pitchFamily="34" charset="0"/>
+                  <a:cs typeface="Calibri" panose="020F0502020204030204" pitchFamily="34" charset="0"/>
+                </a:rPr>
                 <a:t>Aggregation Process</a:t>
               </a:r>
             </a:p>
@@ -15958,7 +16259,10 @@
             <a:p>
               <a:pPr algn="ctr"/>
               <a:r>
-                <a:rPr lang="en-US" altLang="zh-CN" sz="800" b="1" i="1" dirty="0"/>
+                <a:rPr lang="en-US" altLang="zh-CN" sz="800" b="1" i="1" dirty="0">
+                  <a:latin typeface="Calibri" panose="020F0502020204030204" pitchFamily="34" charset="0"/>
+                  <a:cs typeface="Calibri" panose="020F0502020204030204" pitchFamily="34" charset="0"/>
+                </a:rPr>
                 <a:t>Global Model</a:t>
               </a:r>
             </a:p>
@@ -16067,7 +16371,10 @@
                   <a:lstStyle/>
                   <a:p>
                     <a:pPr algn="ctr"/>
-                    <a:endParaRPr lang="zh-CN" altLang="en-US" dirty="0"/>
+                    <a:endParaRPr lang="zh-CN" altLang="en-US" dirty="0">
+                      <a:latin typeface="Calibri" panose="020F0502020204030204" pitchFamily="34" charset="0"/>
+                      <a:cs typeface="Calibri" panose="020F0502020204030204" pitchFamily="34" charset="0"/>
+                    </a:endParaRPr>
                   </a:p>
                 </p:txBody>
               </p:sp>
@@ -16114,7 +16421,10 @@
                   <a:lstStyle/>
                   <a:p>
                     <a:pPr algn="ctr"/>
-                    <a:endParaRPr lang="zh-CN" altLang="en-US"/>
+                    <a:endParaRPr lang="zh-CN" altLang="en-US">
+                      <a:latin typeface="Calibri" panose="020F0502020204030204" pitchFamily="34" charset="0"/>
+                      <a:cs typeface="Calibri" panose="020F0502020204030204" pitchFamily="34" charset="0"/>
+                    </a:endParaRPr>
                   </a:p>
                 </p:txBody>
               </p:sp>
@@ -16161,7 +16471,10 @@
                   <a:lstStyle/>
                   <a:p>
                     <a:pPr algn="ctr"/>
-                    <a:endParaRPr lang="zh-CN" altLang="en-US"/>
+                    <a:endParaRPr lang="zh-CN" altLang="en-US">
+                      <a:latin typeface="Calibri" panose="020F0502020204030204" pitchFamily="34" charset="0"/>
+                      <a:cs typeface="Calibri" panose="020F0502020204030204" pitchFamily="34" charset="0"/>
+                    </a:endParaRPr>
                   </a:p>
                 </p:txBody>
               </p:sp>
@@ -16208,7 +16521,10 @@
                   <a:lstStyle/>
                   <a:p>
                     <a:pPr algn="ctr"/>
-                    <a:endParaRPr lang="zh-CN" altLang="en-US"/>
+                    <a:endParaRPr lang="zh-CN" altLang="en-US">
+                      <a:latin typeface="Calibri" panose="020F0502020204030204" pitchFamily="34" charset="0"/>
+                      <a:cs typeface="Calibri" panose="020F0502020204030204" pitchFamily="34" charset="0"/>
+                    </a:endParaRPr>
                   </a:p>
                 </p:txBody>
               </p:sp>
@@ -16255,7 +16571,10 @@
                   <a:lstStyle/>
                   <a:p>
                     <a:pPr algn="ctr"/>
-                    <a:endParaRPr lang="zh-CN" altLang="en-US"/>
+                    <a:endParaRPr lang="zh-CN" altLang="en-US">
+                      <a:latin typeface="Calibri" panose="020F0502020204030204" pitchFamily="34" charset="0"/>
+                      <a:cs typeface="Calibri" panose="020F0502020204030204" pitchFamily="34" charset="0"/>
+                    </a:endParaRPr>
                   </a:p>
                 </p:txBody>
               </p:sp>
@@ -16302,7 +16621,10 @@
                   <a:lstStyle/>
                   <a:p>
                     <a:pPr algn="ctr"/>
-                    <a:endParaRPr lang="zh-CN" altLang="en-US"/>
+                    <a:endParaRPr lang="zh-CN" altLang="en-US">
+                      <a:latin typeface="Calibri" panose="020F0502020204030204" pitchFamily="34" charset="0"/>
+                      <a:cs typeface="Calibri" panose="020F0502020204030204" pitchFamily="34" charset="0"/>
+                    </a:endParaRPr>
                   </a:p>
                 </p:txBody>
               </p:sp>
@@ -16349,7 +16671,10 @@
                   <a:lstStyle/>
                   <a:p>
                     <a:pPr algn="ctr"/>
-                    <a:endParaRPr lang="zh-CN" altLang="en-US"/>
+                    <a:endParaRPr lang="zh-CN" altLang="en-US">
+                      <a:latin typeface="Calibri" panose="020F0502020204030204" pitchFamily="34" charset="0"/>
+                      <a:cs typeface="Calibri" panose="020F0502020204030204" pitchFamily="34" charset="0"/>
+                    </a:endParaRPr>
                   </a:p>
                 </p:txBody>
               </p:sp>
@@ -16396,7 +16721,10 @@
                   <a:lstStyle/>
                   <a:p>
                     <a:pPr algn="ctr"/>
-                    <a:endParaRPr lang="zh-CN" altLang="en-US"/>
+                    <a:endParaRPr lang="zh-CN" altLang="en-US">
+                      <a:latin typeface="Calibri" panose="020F0502020204030204" pitchFamily="34" charset="0"/>
+                      <a:cs typeface="Calibri" panose="020F0502020204030204" pitchFamily="34" charset="0"/>
+                    </a:endParaRPr>
                   </a:p>
                 </p:txBody>
               </p:sp>
@@ -16443,7 +16771,10 @@
                   <a:lstStyle/>
                   <a:p>
                     <a:pPr algn="ctr"/>
-                    <a:endParaRPr lang="zh-CN" altLang="en-US"/>
+                    <a:endParaRPr lang="zh-CN" altLang="en-US">
+                      <a:latin typeface="Calibri" panose="020F0502020204030204" pitchFamily="34" charset="0"/>
+                      <a:cs typeface="Calibri" panose="020F0502020204030204" pitchFamily="34" charset="0"/>
+                    </a:endParaRPr>
                   </a:p>
                 </p:txBody>
               </p:sp>
@@ -17290,7 +17621,10 @@
                   <a:lstStyle/>
                   <a:p>
                     <a:pPr algn="ctr"/>
-                    <a:endParaRPr lang="zh-CN" altLang="en-US"/>
+                    <a:endParaRPr lang="zh-CN" altLang="en-US">
+                      <a:latin typeface="Calibri" panose="020F0502020204030204" pitchFamily="34" charset="0"/>
+                      <a:cs typeface="Calibri" panose="020F0502020204030204" pitchFamily="34" charset="0"/>
+                    </a:endParaRPr>
                   </a:p>
                 </p:txBody>
               </p:sp>
@@ -17495,7 +17829,10 @@
                 <a:lstStyle/>
                 <a:p>
                   <a:pPr algn="ctr"/>
-                  <a:endParaRPr lang="zh-CN" altLang="en-US"/>
+                  <a:endParaRPr lang="zh-CN" altLang="en-US">
+                    <a:latin typeface="Calibri" panose="020F0502020204030204" pitchFamily="34" charset="0"/>
+                    <a:cs typeface="Calibri" panose="020F0502020204030204" pitchFamily="34" charset="0"/>
+                  </a:endParaRPr>
                 </a:p>
               </p:txBody>
             </p:sp>
@@ -17560,7 +17897,10 @@
               <a:p>
                 <a:pPr algn="ctr"/>
                 <a:r>
-                  <a:rPr lang="en-US" altLang="zh-CN" sz="800" b="1" i="1" dirty="0"/>
+                  <a:rPr lang="en-US" altLang="zh-CN" sz="800" b="1" i="1" dirty="0">
+                    <a:latin typeface="Calibri" panose="020F0502020204030204" pitchFamily="34" charset="0"/>
+                    <a:cs typeface="Calibri" panose="020F0502020204030204" pitchFamily="34" charset="0"/>
+                  </a:rPr>
                   <a:t>Gradient Update</a:t>
                 </a:r>
               </a:p>

--- a/Manuscript_TIFS/figures/Figure_System.pptx
+++ b/Manuscript_TIFS/figures/Figure_System.pptx
@@ -241,7 +241,7 @@
           <a:p>
             <a:fld id="{D997B5FA-0921-464F-AAE1-844C04324D75}" type="datetimeFigureOut">
               <a:rPr lang="zh-CN" altLang="en-US" smtClean="0"/>
-              <a:t>2022-02-24</a:t>
+              <a:t>2022-02-25</a:t>
             </a:fld>
             <a:endParaRPr lang="zh-CN" altLang="en-US"/>
           </a:p>
@@ -404,7 +404,7 @@
           <a:p>
             <a:fld id="{D997B5FA-0921-464F-AAE1-844C04324D75}" type="datetimeFigureOut">
               <a:rPr lang="zh-CN" altLang="en-US" smtClean="0"/>
-              <a:t>2022-02-24</a:t>
+              <a:t>2022-02-25</a:t>
             </a:fld>
             <a:endParaRPr lang="zh-CN" altLang="en-US"/>
           </a:p>
@@ -577,7 +577,7 @@
           <a:p>
             <a:fld id="{D997B5FA-0921-464F-AAE1-844C04324D75}" type="datetimeFigureOut">
               <a:rPr lang="zh-CN" altLang="en-US" smtClean="0"/>
-              <a:t>2022-02-24</a:t>
+              <a:t>2022-02-25</a:t>
             </a:fld>
             <a:endParaRPr lang="zh-CN" altLang="en-US"/>
           </a:p>
@@ -740,7 +740,7 @@
           <a:p>
             <a:fld id="{D997B5FA-0921-464F-AAE1-844C04324D75}" type="datetimeFigureOut">
               <a:rPr lang="zh-CN" altLang="en-US" smtClean="0"/>
-              <a:t>2022-02-24</a:t>
+              <a:t>2022-02-25</a:t>
             </a:fld>
             <a:endParaRPr lang="zh-CN" altLang="en-US"/>
           </a:p>
@@ -980,7 +980,7 @@
           <a:p>
             <a:fld id="{D997B5FA-0921-464F-AAE1-844C04324D75}" type="datetimeFigureOut">
               <a:rPr lang="zh-CN" altLang="en-US" smtClean="0"/>
-              <a:t>2022-02-24</a:t>
+              <a:t>2022-02-25</a:t>
             </a:fld>
             <a:endParaRPr lang="zh-CN" altLang="en-US"/>
           </a:p>
@@ -1204,7 +1204,7 @@
           <a:p>
             <a:fld id="{D997B5FA-0921-464F-AAE1-844C04324D75}" type="datetimeFigureOut">
               <a:rPr lang="zh-CN" altLang="en-US" smtClean="0"/>
-              <a:t>2022-02-24</a:t>
+              <a:t>2022-02-25</a:t>
             </a:fld>
             <a:endParaRPr lang="zh-CN" altLang="en-US"/>
           </a:p>
@@ -1563,7 +1563,7 @@
           <a:p>
             <a:fld id="{D997B5FA-0921-464F-AAE1-844C04324D75}" type="datetimeFigureOut">
               <a:rPr lang="zh-CN" altLang="en-US" smtClean="0"/>
-              <a:t>2022-02-24</a:t>
+              <a:t>2022-02-25</a:t>
             </a:fld>
             <a:endParaRPr lang="zh-CN" altLang="en-US"/>
           </a:p>
@@ -1675,7 +1675,7 @@
           <a:p>
             <a:fld id="{D997B5FA-0921-464F-AAE1-844C04324D75}" type="datetimeFigureOut">
               <a:rPr lang="zh-CN" altLang="en-US" smtClean="0"/>
-              <a:t>2022-02-24</a:t>
+              <a:t>2022-02-25</a:t>
             </a:fld>
             <a:endParaRPr lang="zh-CN" altLang="en-US"/>
           </a:p>
@@ -1765,7 +1765,7 @@
           <a:p>
             <a:fld id="{D997B5FA-0921-464F-AAE1-844C04324D75}" type="datetimeFigureOut">
               <a:rPr lang="zh-CN" altLang="en-US" smtClean="0"/>
-              <a:t>2022-02-24</a:t>
+              <a:t>2022-02-25</a:t>
             </a:fld>
             <a:endParaRPr lang="zh-CN" altLang="en-US"/>
           </a:p>
@@ -2035,7 +2035,7 @@
           <a:p>
             <a:fld id="{D997B5FA-0921-464F-AAE1-844C04324D75}" type="datetimeFigureOut">
               <a:rPr lang="zh-CN" altLang="en-US" smtClean="0"/>
-              <a:t>2022-02-24</a:t>
+              <a:t>2022-02-25</a:t>
             </a:fld>
             <a:endParaRPr lang="zh-CN" altLang="en-US"/>
           </a:p>
@@ -2282,7 +2282,7 @@
           <a:p>
             <a:fld id="{D997B5FA-0921-464F-AAE1-844C04324D75}" type="datetimeFigureOut">
               <a:rPr lang="zh-CN" altLang="en-US" smtClean="0"/>
-              <a:t>2022-02-24</a:t>
+              <a:t>2022-02-25</a:t>
             </a:fld>
             <a:endParaRPr lang="zh-CN" altLang="en-US"/>
           </a:p>
@@ -2488,7 +2488,7 @@
           <a:p>
             <a:fld id="{D997B5FA-0921-464F-AAE1-844C04324D75}" type="datetimeFigureOut">
               <a:rPr lang="zh-CN" altLang="en-US" smtClean="0"/>
-              <a:t>2022-02-24</a:t>
+              <a:t>2022-02-25</a:t>
             </a:fld>
             <a:endParaRPr lang="zh-CN" altLang="en-US"/>
           </a:p>
@@ -7879,7 +7879,7 @@
                     <a:latin typeface="Calibri" panose="020F0502020204030204" pitchFamily="34" charset="0"/>
                     <a:cs typeface="Calibri" panose="020F0502020204030204" pitchFamily="34" charset="0"/>
                   </a:rPr>
-                  <a:t>Byzantine Client</a:t>
+                  <a:t>Byzantine Attacker</a:t>
                 </a:r>
               </a:p>
             </p:txBody>

--- a/Manuscript_TIFS/figures/Figure_System.pptx
+++ b/Manuscript_TIFS/figures/Figure_System.pptx
@@ -15966,9 +15966,9 @@
           <p:grpSpPr>
             <a:xfrm>
               <a:off x="5969070" y="2065657"/>
-              <a:ext cx="638600" cy="640966"/>
+              <a:ext cx="638600" cy="517856"/>
               <a:chOff x="5957582" y="2483877"/>
-              <a:chExt cx="638600" cy="640966"/>
+              <a:chExt cx="638600" cy="517856"/>
             </a:xfrm>
           </p:grpSpPr>
           <p:pic>
@@ -16025,7 +16025,7 @@
             <p:spPr>
               <a:xfrm>
                 <a:off x="5957582" y="2786289"/>
-                <a:ext cx="638600" cy="338554"/>
+                <a:ext cx="638600" cy="215444"/>
               </a:xfrm>
               <a:prstGeom prst="rect">
                 <a:avLst/>
@@ -16047,7 +16047,7 @@
                     <a:latin typeface="Calibri" panose="020F0502020204030204" pitchFamily="34" charset="0"/>
                     <a:cs typeface="Calibri" panose="020F0502020204030204" pitchFamily="34" charset="0"/>
                   </a:rPr>
-                  <a:t>Central Server</a:t>
+                  <a:t>FL Server</a:t>
                 </a:r>
               </a:p>
             </p:txBody>
